--- a/NearestNeighbor/Report/graphs2.pptx
+++ b/NearestNeighbor/Report/graphs2.pptx
@@ -116,7 +116,7 @@
 <p1510:revInfo xmlns:a="http://schemas.openxmlformats.org/drawingml/2006/main" xmlns:r="http://schemas.openxmlformats.org/officeDocument/2006/relationships" xmlns:p1510="http://schemas.microsoft.com/office/powerpoint/2015/10/main">
   <p1510:revLst>
     <p1510:client id="{29EC0BD2-4B86-491C-A045-DB0CB0C85AA3}" v="74" dt="2019-10-11T02:18:49.340"/>
-    <p1510:client id="{62AF2FD8-B811-484E-B917-8FBF31AAEDCD}" v="5" dt="2019-10-11T02:26:14.290"/>
+    <p1510:client id="{62AF2FD8-B811-484E-B917-8FBF31AAEDCD}" v="53" dt="2019-10-11T02:36:51.757"/>
   </p1510:revLst>
 </p1510:revInfo>
 </file>
@@ -126,18 +126,18 @@
   <pc:docChgLst>
     <pc:chgData name="Andy Kirby" userId="84f5e1967770b9b9" providerId="LiveId" clId="{62AF2FD8-B811-484E-B917-8FBF31AAEDCD}"/>
     <pc:docChg chg="modSld">
-      <pc:chgData name="Andy Kirby" userId="84f5e1967770b9b9" providerId="LiveId" clId="{62AF2FD8-B811-484E-B917-8FBF31AAEDCD}" dt="2019-10-11T02:26:14.289" v="3" actId="1076"/>
+      <pc:chgData name="Andy Kirby" userId="84f5e1967770b9b9" providerId="LiveId" clId="{62AF2FD8-B811-484E-B917-8FBF31AAEDCD}" dt="2019-10-11T02:36:51.756" v="53" actId="14100"/>
       <pc:docMkLst>
         <pc:docMk/>
       </pc:docMkLst>
-      <pc:sldChg chg="modSp">
-        <pc:chgData name="Andy Kirby" userId="84f5e1967770b9b9" providerId="LiveId" clId="{62AF2FD8-B811-484E-B917-8FBF31AAEDCD}" dt="2019-10-11T02:26:14.289" v="3" actId="1076"/>
+      <pc:sldChg chg="addSp modSp mod">
+        <pc:chgData name="Andy Kirby" userId="84f5e1967770b9b9" providerId="LiveId" clId="{62AF2FD8-B811-484E-B917-8FBF31AAEDCD}" dt="2019-10-11T02:36:51.756" v="53" actId="14100"/>
         <pc:sldMkLst>
           <pc:docMk/>
           <pc:sldMk cId="3447375424" sldId="257"/>
         </pc:sldMkLst>
         <pc:graphicFrameChg chg="mod">
-          <ac:chgData name="Andy Kirby" userId="84f5e1967770b9b9" providerId="LiveId" clId="{62AF2FD8-B811-484E-B917-8FBF31AAEDCD}" dt="2019-10-11T02:26:14.289" v="3" actId="1076"/>
+          <ac:chgData name="Andy Kirby" userId="84f5e1967770b9b9" providerId="LiveId" clId="{62AF2FD8-B811-484E-B917-8FBF31AAEDCD}" dt="2019-10-11T02:36:46.320" v="52" actId="1036"/>
           <ac:graphicFrameMkLst>
             <pc:docMk/>
             <pc:sldMk cId="3447375424" sldId="257"/>
@@ -145,7 +145,7 @@
           </ac:graphicFrameMkLst>
         </pc:graphicFrameChg>
         <pc:graphicFrameChg chg="mod">
-          <ac:chgData name="Andy Kirby" userId="84f5e1967770b9b9" providerId="LiveId" clId="{62AF2FD8-B811-484E-B917-8FBF31AAEDCD}" dt="2019-10-11T02:26:06.160" v="1" actId="1076"/>
+          <ac:chgData name="Andy Kirby" userId="84f5e1967770b9b9" providerId="LiveId" clId="{62AF2FD8-B811-484E-B917-8FBF31AAEDCD}" dt="2019-10-11T02:36:51.756" v="53" actId="14100"/>
           <ac:graphicFrameMkLst>
             <pc:docMk/>
             <pc:sldMk cId="3447375424" sldId="257"/>
@@ -153,15 +153,31 @@
           </ac:graphicFrameMkLst>
         </pc:graphicFrameChg>
         <pc:graphicFrameChg chg="mod">
-          <ac:chgData name="Andy Kirby" userId="84f5e1967770b9b9" providerId="LiveId" clId="{62AF2FD8-B811-484E-B917-8FBF31AAEDCD}" dt="2019-10-11T02:26:06.160" v="1" actId="1076"/>
+          <ac:chgData name="Andy Kirby" userId="84f5e1967770b9b9" providerId="LiveId" clId="{62AF2FD8-B811-484E-B917-8FBF31AAEDCD}" dt="2019-10-11T02:36:42.809" v="47" actId="1036"/>
           <ac:graphicFrameMkLst>
             <pc:docMk/>
             <pc:sldMk cId="3447375424" sldId="257"/>
             <ac:graphicFrameMk id="6" creationId="{5021FE6F-8D9F-46AF-BE6A-8CFF568EA12A}"/>
           </ac:graphicFrameMkLst>
         </pc:graphicFrameChg>
+        <pc:graphicFrameChg chg="add mod">
+          <ac:chgData name="Andy Kirby" userId="84f5e1967770b9b9" providerId="LiveId" clId="{62AF2FD8-B811-484E-B917-8FBF31AAEDCD}" dt="2019-10-11T02:35:01.283" v="13" actId="14100"/>
+          <ac:graphicFrameMkLst>
+            <pc:docMk/>
+            <pc:sldMk cId="3447375424" sldId="257"/>
+            <ac:graphicFrameMk id="7" creationId="{915AF7E4-EF0D-4533-A06C-A8827DE2E92A}"/>
+          </ac:graphicFrameMkLst>
+        </pc:graphicFrameChg>
+        <pc:graphicFrameChg chg="add mod">
+          <ac:chgData name="Andy Kirby" userId="84f5e1967770b9b9" providerId="LiveId" clId="{62AF2FD8-B811-484E-B917-8FBF31AAEDCD}" dt="2019-10-11T02:35:57.759" v="27" actId="14100"/>
+          <ac:graphicFrameMkLst>
+            <pc:docMk/>
+            <pc:sldMk cId="3447375424" sldId="257"/>
+            <ac:graphicFrameMk id="8" creationId="{09AFD0FD-92AB-4928-B7B0-57ED103AC41C}"/>
+          </ac:graphicFrameMkLst>
+        </pc:graphicFrameChg>
         <pc:graphicFrameChg chg="mod">
-          <ac:chgData name="Andy Kirby" userId="84f5e1967770b9b9" providerId="LiveId" clId="{62AF2FD8-B811-484E-B917-8FBF31AAEDCD}" dt="2019-10-11T02:26:06.160" v="1" actId="1076"/>
+          <ac:chgData name="Andy Kirby" userId="84f5e1967770b9b9" providerId="LiveId" clId="{62AF2FD8-B811-484E-B917-8FBF31AAEDCD}" dt="2019-10-11T02:36:42.809" v="47" actId="1036"/>
           <ac:graphicFrameMkLst>
             <pc:docMk/>
             <pc:sldMk cId="3447375424" sldId="257"/>
@@ -1688,6 +1704,799 @@
           </a:p>
         </c:txPr>
         <c:crossAx val="370394112"/>
+        <c:crosses val="autoZero"/>
+        <c:crossBetween val="between"/>
+      </c:valAx>
+      <c:spPr>
+        <a:noFill/>
+        <a:ln>
+          <a:noFill/>
+        </a:ln>
+        <a:effectLst/>
+      </c:spPr>
+    </c:plotArea>
+    <c:legend>
+      <c:legendPos val="b"/>
+      <c:overlay val="0"/>
+      <c:spPr>
+        <a:noFill/>
+        <a:ln>
+          <a:noFill/>
+        </a:ln>
+        <a:effectLst/>
+      </c:spPr>
+      <c:txPr>
+        <a:bodyPr rot="0" spcFirstLastPara="1" vertOverflow="ellipsis" vert="horz" wrap="square" anchor="ctr" anchorCtr="1"/>
+        <a:lstStyle/>
+        <a:p>
+          <a:pPr>
+            <a:defRPr sz="900" b="0" i="0" u="none" strike="noStrike" kern="1200" baseline="0">
+              <a:solidFill>
+                <a:schemeClr val="tx1">
+                  <a:lumMod val="65000"/>
+                  <a:lumOff val="35000"/>
+                </a:schemeClr>
+              </a:solidFill>
+              <a:latin typeface="+mn-lt"/>
+              <a:ea typeface="+mn-ea"/>
+              <a:cs typeface="+mn-cs"/>
+            </a:defRPr>
+          </a:pPr>
+          <a:endParaRPr lang="en-US"/>
+        </a:p>
+      </c:txPr>
+    </c:legend>
+    <c:plotVisOnly val="1"/>
+    <c:dispBlanksAs val="gap"/>
+    <c:showDLblsOverMax val="0"/>
+  </c:chart>
+  <c:spPr>
+    <a:noFill/>
+    <a:ln>
+      <a:noFill/>
+    </a:ln>
+    <a:effectLst/>
+  </c:spPr>
+  <c:txPr>
+    <a:bodyPr/>
+    <a:lstStyle/>
+    <a:p>
+      <a:pPr>
+        <a:defRPr/>
+      </a:pPr>
+      <a:endParaRPr lang="en-US"/>
+    </a:p>
+  </c:txPr>
+  <c:externalData r:id="rId3">
+    <c:autoUpdate val="0"/>
+  </c:externalData>
+</c:chartSpace>
+</file>
+
+<file path=ppt/charts/chart5.xml><?xml version="1.0" encoding="utf-8"?>
+<c:chartSpace xmlns:c="http://schemas.openxmlformats.org/drawingml/2006/chart" xmlns:a="http://schemas.openxmlformats.org/drawingml/2006/main" xmlns:r="http://schemas.openxmlformats.org/officeDocument/2006/relationships" xmlns:c16r2="http://schemas.microsoft.com/office/drawing/2015/06/chart">
+  <c:date1904 val="0"/>
+  <c:lang val="en-US"/>
+  <c:roundedCorners val="0"/>
+  <mc:AlternateContent xmlns:mc="http://schemas.openxmlformats.org/markup-compatibility/2006">
+    <mc:Choice xmlns:c14="http://schemas.microsoft.com/office/drawing/2007/8/2/chart" Requires="c14">
+      <c14:style val="102"/>
+    </mc:Choice>
+    <mc:Fallback>
+      <c:style val="2"/>
+    </mc:Fallback>
+  </mc:AlternateContent>
+  <c:chart>
+    <c:title>
+      <c:tx>
+        <c:rich>
+          <a:bodyPr rot="0" spcFirstLastPara="1" vertOverflow="ellipsis" vert="horz" wrap="square" anchor="ctr" anchorCtr="1"/>
+          <a:lstStyle/>
+          <a:p>
+            <a:pPr>
+              <a:defRPr sz="1400" b="0" i="0" u="none" strike="noStrike" kern="1200" spc="0" baseline="0">
+                <a:solidFill>
+                  <a:schemeClr val="tx1">
+                    <a:lumMod val="65000"/>
+                    <a:lumOff val="35000"/>
+                  </a:schemeClr>
+                </a:solidFill>
+                <a:latin typeface="+mn-lt"/>
+                <a:ea typeface="+mn-ea"/>
+                <a:cs typeface="+mn-cs"/>
+              </a:defRPr>
+            </a:pPr>
+            <a:r>
+              <a:rPr lang="en-US"/>
+              <a:t>Segmentation</a:t>
+            </a:r>
+            <a:r>
+              <a:rPr lang="en-US" baseline="0"/>
+              <a:t> Accuracy vs #Clusters</a:t>
+            </a:r>
+            <a:endParaRPr lang="en-US"/>
+          </a:p>
+        </c:rich>
+      </c:tx>
+      <c:overlay val="0"/>
+      <c:spPr>
+        <a:noFill/>
+        <a:ln>
+          <a:noFill/>
+        </a:ln>
+        <a:effectLst/>
+      </c:spPr>
+      <c:txPr>
+        <a:bodyPr rot="0" spcFirstLastPara="1" vertOverflow="ellipsis" vert="horz" wrap="square" anchor="ctr" anchorCtr="1"/>
+        <a:lstStyle/>
+        <a:p>
+          <a:pPr>
+            <a:defRPr sz="1400" b="0" i="0" u="none" strike="noStrike" kern="1200" spc="0" baseline="0">
+              <a:solidFill>
+                <a:schemeClr val="tx1">
+                  <a:lumMod val="65000"/>
+                  <a:lumOff val="35000"/>
+                </a:schemeClr>
+              </a:solidFill>
+              <a:latin typeface="+mn-lt"/>
+              <a:ea typeface="+mn-ea"/>
+              <a:cs typeface="+mn-cs"/>
+            </a:defRPr>
+          </a:pPr>
+          <a:endParaRPr lang="en-US"/>
+        </a:p>
+      </c:txPr>
+    </c:title>
+    <c:autoTitleDeleted val="0"/>
+    <c:plotArea>
+      <c:layout/>
+      <c:barChart>
+        <c:barDir val="col"/>
+        <c:grouping val="clustered"/>
+        <c:varyColors val="0"/>
+        <c:ser>
+          <c:idx val="0"/>
+          <c:order val="0"/>
+          <c:tx>
+            <c:strRef>
+              <c:f>CTuning!$P$102</c:f>
+              <c:strCache>
+                <c:ptCount val="1"/>
+                <c:pt idx="0">
+                  <c:v>CMEANS</c:v>
+                </c:pt>
+              </c:strCache>
+            </c:strRef>
+          </c:tx>
+          <c:spPr>
+            <a:solidFill>
+              <a:schemeClr val="accent1"/>
+            </a:solidFill>
+            <a:ln>
+              <a:noFill/>
+            </a:ln>
+            <a:effectLst/>
+          </c:spPr>
+          <c:invertIfNegative val="0"/>
+          <c:cat>
+            <c:strRef>
+              <c:f>CTuning!$Q$101:$S$101</c:f>
+              <c:strCache>
+                <c:ptCount val="3"/>
+                <c:pt idx="0">
+                  <c:v>#ENN - 10%</c:v>
+                </c:pt>
+                <c:pt idx="1">
+                  <c:v>#ENN</c:v>
+                </c:pt>
+                <c:pt idx="2">
+                  <c:v>#ENN + 10%</c:v>
+                </c:pt>
+              </c:strCache>
+            </c:strRef>
+          </c:cat>
+          <c:val>
+            <c:numRef>
+              <c:f>CTuning!$Q$102:$S$102</c:f>
+              <c:numCache>
+                <c:formatCode>0.00%</c:formatCode>
+                <c:ptCount val="3"/>
+                <c:pt idx="0">
+                  <c:v>0.1429</c:v>
+                </c:pt>
+                <c:pt idx="1">
+                  <c:v>0.1429</c:v>
+                </c:pt>
+                <c:pt idx="2">
+                  <c:v>0.1429</c:v>
+                </c:pt>
+              </c:numCache>
+            </c:numRef>
+          </c:val>
+          <c:extLst>
+            <c:ext xmlns:c16="http://schemas.microsoft.com/office/drawing/2014/chart" uri="{C3380CC4-5D6E-409C-BE32-E72D297353CC}">
+              <c16:uniqueId val="{00000000-37F8-465F-8298-8B1418738B7E}"/>
+            </c:ext>
+          </c:extLst>
+        </c:ser>
+        <c:ser>
+          <c:idx val="1"/>
+          <c:order val="1"/>
+          <c:tx>
+            <c:strRef>
+              <c:f>CTuning!$P$103</c:f>
+              <c:strCache>
+                <c:ptCount val="1"/>
+                <c:pt idx="0">
+                  <c:v>CMEDOIDS</c:v>
+                </c:pt>
+              </c:strCache>
+            </c:strRef>
+          </c:tx>
+          <c:spPr>
+            <a:solidFill>
+              <a:schemeClr val="accent2"/>
+            </a:solidFill>
+            <a:ln>
+              <a:noFill/>
+            </a:ln>
+            <a:effectLst/>
+          </c:spPr>
+          <c:invertIfNegative val="0"/>
+          <c:cat>
+            <c:strRef>
+              <c:f>CTuning!$Q$101:$S$101</c:f>
+              <c:strCache>
+                <c:ptCount val="3"/>
+                <c:pt idx="0">
+                  <c:v>#ENN - 10%</c:v>
+                </c:pt>
+                <c:pt idx="1">
+                  <c:v>#ENN</c:v>
+                </c:pt>
+                <c:pt idx="2">
+                  <c:v>#ENN + 10%</c:v>
+                </c:pt>
+              </c:strCache>
+            </c:strRef>
+          </c:cat>
+          <c:val>
+            <c:numRef>
+              <c:f>CTuning!$Q$103:$S$103</c:f>
+              <c:numCache>
+                <c:formatCode>0.00%</c:formatCode>
+                <c:ptCount val="3"/>
+                <c:pt idx="0">
+                  <c:v>0.71899999999999997</c:v>
+                </c:pt>
+                <c:pt idx="1">
+                  <c:v>0.81899999999999995</c:v>
+                </c:pt>
+                <c:pt idx="2">
+                  <c:v>0.83330000000000004</c:v>
+                </c:pt>
+              </c:numCache>
+            </c:numRef>
+          </c:val>
+          <c:extLst>
+            <c:ext xmlns:c16="http://schemas.microsoft.com/office/drawing/2014/chart" uri="{C3380CC4-5D6E-409C-BE32-E72D297353CC}">
+              <c16:uniqueId val="{00000001-37F8-465F-8298-8B1418738B7E}"/>
+            </c:ext>
+          </c:extLst>
+        </c:ser>
+        <c:dLbls>
+          <c:showLegendKey val="0"/>
+          <c:showVal val="0"/>
+          <c:showCatName val="0"/>
+          <c:showSerName val="0"/>
+          <c:showPercent val="0"/>
+          <c:showBubbleSize val="0"/>
+        </c:dLbls>
+        <c:gapWidth val="219"/>
+        <c:overlap val="-27"/>
+        <c:axId val="312255776"/>
+        <c:axId val="312262664"/>
+      </c:barChart>
+      <c:catAx>
+        <c:axId val="312255776"/>
+        <c:scaling>
+          <c:orientation val="minMax"/>
+        </c:scaling>
+        <c:delete val="0"/>
+        <c:axPos val="b"/>
+        <c:numFmt formatCode="General" sourceLinked="1"/>
+        <c:majorTickMark val="none"/>
+        <c:minorTickMark val="none"/>
+        <c:tickLblPos val="nextTo"/>
+        <c:spPr>
+          <a:noFill/>
+          <a:ln w="9525" cap="flat" cmpd="sng" algn="ctr">
+            <a:solidFill>
+              <a:schemeClr val="tx1">
+                <a:lumMod val="15000"/>
+                <a:lumOff val="85000"/>
+              </a:schemeClr>
+            </a:solidFill>
+            <a:round/>
+          </a:ln>
+          <a:effectLst/>
+        </c:spPr>
+        <c:txPr>
+          <a:bodyPr rot="-60000000" spcFirstLastPara="1" vertOverflow="ellipsis" vert="horz" wrap="square" anchor="ctr" anchorCtr="1"/>
+          <a:lstStyle/>
+          <a:p>
+            <a:pPr>
+              <a:defRPr sz="900" b="0" i="0" u="none" strike="noStrike" kern="1200" baseline="0">
+                <a:solidFill>
+                  <a:schemeClr val="tx1">
+                    <a:lumMod val="65000"/>
+                    <a:lumOff val="35000"/>
+                  </a:schemeClr>
+                </a:solidFill>
+                <a:latin typeface="+mn-lt"/>
+                <a:ea typeface="+mn-ea"/>
+                <a:cs typeface="+mn-cs"/>
+              </a:defRPr>
+            </a:pPr>
+            <a:endParaRPr lang="en-US"/>
+          </a:p>
+        </c:txPr>
+        <c:crossAx val="312262664"/>
+        <c:crosses val="autoZero"/>
+        <c:auto val="1"/>
+        <c:lblAlgn val="ctr"/>
+        <c:lblOffset val="100"/>
+        <c:noMultiLvlLbl val="0"/>
+      </c:catAx>
+      <c:valAx>
+        <c:axId val="312262664"/>
+        <c:scaling>
+          <c:orientation val="minMax"/>
+        </c:scaling>
+        <c:delete val="0"/>
+        <c:axPos val="l"/>
+        <c:majorGridlines>
+          <c:spPr>
+            <a:ln w="9525" cap="flat" cmpd="sng" algn="ctr">
+              <a:solidFill>
+                <a:schemeClr val="tx1">
+                  <a:lumMod val="15000"/>
+                  <a:lumOff val="85000"/>
+                </a:schemeClr>
+              </a:solidFill>
+              <a:round/>
+            </a:ln>
+            <a:effectLst/>
+          </c:spPr>
+        </c:majorGridlines>
+        <c:numFmt formatCode="0.00%" sourceLinked="1"/>
+        <c:majorTickMark val="none"/>
+        <c:minorTickMark val="none"/>
+        <c:tickLblPos val="nextTo"/>
+        <c:spPr>
+          <a:noFill/>
+          <a:ln>
+            <a:noFill/>
+          </a:ln>
+          <a:effectLst/>
+        </c:spPr>
+        <c:txPr>
+          <a:bodyPr rot="-60000000" spcFirstLastPara="1" vertOverflow="ellipsis" vert="horz" wrap="square" anchor="ctr" anchorCtr="1"/>
+          <a:lstStyle/>
+          <a:p>
+            <a:pPr>
+              <a:defRPr sz="900" b="0" i="0" u="none" strike="noStrike" kern="1200" baseline="0">
+                <a:solidFill>
+                  <a:schemeClr val="tx1">
+                    <a:lumMod val="65000"/>
+                    <a:lumOff val="35000"/>
+                  </a:schemeClr>
+                </a:solidFill>
+                <a:latin typeface="+mn-lt"/>
+                <a:ea typeface="+mn-ea"/>
+                <a:cs typeface="+mn-cs"/>
+              </a:defRPr>
+            </a:pPr>
+            <a:endParaRPr lang="en-US"/>
+          </a:p>
+        </c:txPr>
+        <c:crossAx val="312255776"/>
+        <c:crosses val="autoZero"/>
+        <c:crossBetween val="between"/>
+      </c:valAx>
+      <c:spPr>
+        <a:noFill/>
+        <a:ln>
+          <a:noFill/>
+        </a:ln>
+        <a:effectLst/>
+      </c:spPr>
+    </c:plotArea>
+    <c:legend>
+      <c:legendPos val="b"/>
+      <c:overlay val="0"/>
+      <c:spPr>
+        <a:noFill/>
+        <a:ln>
+          <a:noFill/>
+        </a:ln>
+        <a:effectLst/>
+      </c:spPr>
+      <c:txPr>
+        <a:bodyPr rot="0" spcFirstLastPara="1" vertOverflow="ellipsis" vert="horz" wrap="square" anchor="ctr" anchorCtr="1"/>
+        <a:lstStyle/>
+        <a:p>
+          <a:pPr>
+            <a:defRPr sz="900" b="0" i="0" u="none" strike="noStrike" kern="1200" baseline="0">
+              <a:solidFill>
+                <a:schemeClr val="tx1">
+                  <a:lumMod val="65000"/>
+                  <a:lumOff val="35000"/>
+                </a:schemeClr>
+              </a:solidFill>
+              <a:latin typeface="+mn-lt"/>
+              <a:ea typeface="+mn-ea"/>
+              <a:cs typeface="+mn-cs"/>
+            </a:defRPr>
+          </a:pPr>
+          <a:endParaRPr lang="en-US"/>
+        </a:p>
+      </c:txPr>
+    </c:legend>
+    <c:plotVisOnly val="1"/>
+    <c:dispBlanksAs val="gap"/>
+    <c:showDLblsOverMax val="0"/>
+  </c:chart>
+  <c:spPr>
+    <a:noFill/>
+    <a:ln>
+      <a:noFill/>
+    </a:ln>
+    <a:effectLst/>
+  </c:spPr>
+  <c:txPr>
+    <a:bodyPr/>
+    <a:lstStyle/>
+    <a:p>
+      <a:pPr>
+        <a:defRPr/>
+      </a:pPr>
+      <a:endParaRPr lang="en-US"/>
+    </a:p>
+  </c:txPr>
+  <c:externalData r:id="rId3">
+    <c:autoUpdate val="0"/>
+  </c:externalData>
+</c:chartSpace>
+</file>
+
+<file path=ppt/charts/chart6.xml><?xml version="1.0" encoding="utf-8"?>
+<c:chartSpace xmlns:c="http://schemas.openxmlformats.org/drawingml/2006/chart" xmlns:a="http://schemas.openxmlformats.org/drawingml/2006/main" xmlns:r="http://schemas.openxmlformats.org/officeDocument/2006/relationships" xmlns:c16r2="http://schemas.microsoft.com/office/drawing/2015/06/chart">
+  <c:date1904 val="0"/>
+  <c:lang val="en-US"/>
+  <c:roundedCorners val="0"/>
+  <mc:AlternateContent xmlns:mc="http://schemas.openxmlformats.org/markup-compatibility/2006">
+    <mc:Choice xmlns:c14="http://schemas.microsoft.com/office/drawing/2007/8/2/chart" Requires="c14">
+      <c14:style val="102"/>
+    </mc:Choice>
+    <mc:Fallback>
+      <c:style val="2"/>
+    </mc:Fallback>
+  </mc:AlternateContent>
+  <c:chart>
+    <c:title>
+      <c:tx>
+        <c:rich>
+          <a:bodyPr rot="0" spcFirstLastPara="1" vertOverflow="ellipsis" vert="horz" wrap="square" anchor="ctr" anchorCtr="1"/>
+          <a:lstStyle/>
+          <a:p>
+            <a:pPr>
+              <a:defRPr sz="1400" b="0" i="0" u="none" strike="noStrike" kern="1200" spc="0" baseline="0">
+                <a:solidFill>
+                  <a:schemeClr val="tx1">
+                    <a:lumMod val="65000"/>
+                    <a:lumOff val="35000"/>
+                  </a:schemeClr>
+                </a:solidFill>
+                <a:latin typeface="+mn-lt"/>
+                <a:ea typeface="+mn-ea"/>
+                <a:cs typeface="+mn-cs"/>
+              </a:defRPr>
+            </a:pPr>
+            <a:r>
+              <a:rPr lang="en-US"/>
+              <a:t>Segmentation MSE</a:t>
+            </a:r>
+            <a:r>
+              <a:rPr lang="en-US" baseline="0"/>
+              <a:t> vs #Clusters</a:t>
+            </a:r>
+          </a:p>
+        </c:rich>
+      </c:tx>
+      <c:overlay val="0"/>
+      <c:spPr>
+        <a:noFill/>
+        <a:ln>
+          <a:noFill/>
+        </a:ln>
+        <a:effectLst/>
+      </c:spPr>
+      <c:txPr>
+        <a:bodyPr rot="0" spcFirstLastPara="1" vertOverflow="ellipsis" vert="horz" wrap="square" anchor="ctr" anchorCtr="1"/>
+        <a:lstStyle/>
+        <a:p>
+          <a:pPr>
+            <a:defRPr sz="1400" b="0" i="0" u="none" strike="noStrike" kern="1200" spc="0" baseline="0">
+              <a:solidFill>
+                <a:schemeClr val="tx1">
+                  <a:lumMod val="65000"/>
+                  <a:lumOff val="35000"/>
+                </a:schemeClr>
+              </a:solidFill>
+              <a:latin typeface="+mn-lt"/>
+              <a:ea typeface="+mn-ea"/>
+              <a:cs typeface="+mn-cs"/>
+            </a:defRPr>
+          </a:pPr>
+          <a:endParaRPr lang="en-US"/>
+        </a:p>
+      </c:txPr>
+    </c:title>
+    <c:autoTitleDeleted val="0"/>
+    <c:plotArea>
+      <c:layout/>
+      <c:barChart>
+        <c:barDir val="col"/>
+        <c:grouping val="clustered"/>
+        <c:varyColors val="0"/>
+        <c:ser>
+          <c:idx val="0"/>
+          <c:order val="0"/>
+          <c:tx>
+            <c:strRef>
+              <c:f>CTuning!$P$120</c:f>
+              <c:strCache>
+                <c:ptCount val="1"/>
+                <c:pt idx="0">
+                  <c:v>CMEANS</c:v>
+                </c:pt>
+              </c:strCache>
+            </c:strRef>
+          </c:tx>
+          <c:spPr>
+            <a:solidFill>
+              <a:schemeClr val="accent1"/>
+            </a:solidFill>
+            <a:ln>
+              <a:noFill/>
+            </a:ln>
+            <a:effectLst/>
+          </c:spPr>
+          <c:invertIfNegative val="0"/>
+          <c:cat>
+            <c:strRef>
+              <c:f>CTuning!$Q$119:$S$119</c:f>
+              <c:strCache>
+                <c:ptCount val="3"/>
+                <c:pt idx="0">
+                  <c:v>#ENN - 10%</c:v>
+                </c:pt>
+                <c:pt idx="1">
+                  <c:v>#ENN</c:v>
+                </c:pt>
+                <c:pt idx="2">
+                  <c:v>#ENN + 10%</c:v>
+                </c:pt>
+              </c:strCache>
+            </c:strRef>
+          </c:cat>
+          <c:val>
+            <c:numRef>
+              <c:f>CTuning!$Q$120:$S$120</c:f>
+              <c:numCache>
+                <c:formatCode>General</c:formatCode>
+                <c:ptCount val="3"/>
+                <c:pt idx="0">
+                  <c:v>56.37</c:v>
+                </c:pt>
+                <c:pt idx="1">
+                  <c:v>56.37</c:v>
+                </c:pt>
+                <c:pt idx="2">
+                  <c:v>56.37</c:v>
+                </c:pt>
+              </c:numCache>
+            </c:numRef>
+          </c:val>
+          <c:extLst>
+            <c:ext xmlns:c16="http://schemas.microsoft.com/office/drawing/2014/chart" uri="{C3380CC4-5D6E-409C-BE32-E72D297353CC}">
+              <c16:uniqueId val="{00000000-5003-4346-9743-9106516A1018}"/>
+            </c:ext>
+          </c:extLst>
+        </c:ser>
+        <c:ser>
+          <c:idx val="1"/>
+          <c:order val="1"/>
+          <c:tx>
+            <c:strRef>
+              <c:f>CTuning!$P$121</c:f>
+              <c:strCache>
+                <c:ptCount val="1"/>
+                <c:pt idx="0">
+                  <c:v>CMEDOIDS</c:v>
+                </c:pt>
+              </c:strCache>
+            </c:strRef>
+          </c:tx>
+          <c:spPr>
+            <a:solidFill>
+              <a:schemeClr val="accent2"/>
+            </a:solidFill>
+            <a:ln>
+              <a:noFill/>
+            </a:ln>
+            <a:effectLst/>
+          </c:spPr>
+          <c:invertIfNegative val="0"/>
+          <c:cat>
+            <c:strRef>
+              <c:f>CTuning!$Q$119:$S$119</c:f>
+              <c:strCache>
+                <c:ptCount val="3"/>
+                <c:pt idx="0">
+                  <c:v>#ENN - 10%</c:v>
+                </c:pt>
+                <c:pt idx="1">
+                  <c:v>#ENN</c:v>
+                </c:pt>
+                <c:pt idx="2">
+                  <c:v>#ENN + 10%</c:v>
+                </c:pt>
+              </c:strCache>
+            </c:strRef>
+          </c:cat>
+          <c:val>
+            <c:numRef>
+              <c:f>CTuning!$Q$121:$S$121</c:f>
+              <c:numCache>
+                <c:formatCode>General</c:formatCode>
+                <c:ptCount val="3"/>
+                <c:pt idx="0">
+                  <c:v>6.46</c:v>
+                </c:pt>
+                <c:pt idx="1">
+                  <c:v>2.71</c:v>
+                </c:pt>
+                <c:pt idx="2">
+                  <c:v>2.11</c:v>
+                </c:pt>
+              </c:numCache>
+            </c:numRef>
+          </c:val>
+          <c:extLst>
+            <c:ext xmlns:c16="http://schemas.microsoft.com/office/drawing/2014/chart" uri="{C3380CC4-5D6E-409C-BE32-E72D297353CC}">
+              <c16:uniqueId val="{00000001-5003-4346-9743-9106516A1018}"/>
+            </c:ext>
+          </c:extLst>
+        </c:ser>
+        <c:dLbls>
+          <c:showLegendKey val="0"/>
+          <c:showVal val="0"/>
+          <c:showCatName val="0"/>
+          <c:showSerName val="0"/>
+          <c:showPercent val="0"/>
+          <c:showBubbleSize val="0"/>
+        </c:dLbls>
+        <c:gapWidth val="219"/>
+        <c:overlap val="-27"/>
+        <c:axId val="632707064"/>
+        <c:axId val="632707720"/>
+      </c:barChart>
+      <c:catAx>
+        <c:axId val="632707064"/>
+        <c:scaling>
+          <c:orientation val="minMax"/>
+        </c:scaling>
+        <c:delete val="0"/>
+        <c:axPos val="b"/>
+        <c:numFmt formatCode="General" sourceLinked="1"/>
+        <c:majorTickMark val="none"/>
+        <c:minorTickMark val="none"/>
+        <c:tickLblPos val="nextTo"/>
+        <c:spPr>
+          <a:noFill/>
+          <a:ln w="9525" cap="flat" cmpd="sng" algn="ctr">
+            <a:solidFill>
+              <a:schemeClr val="tx1">
+                <a:lumMod val="15000"/>
+                <a:lumOff val="85000"/>
+              </a:schemeClr>
+            </a:solidFill>
+            <a:round/>
+          </a:ln>
+          <a:effectLst/>
+        </c:spPr>
+        <c:txPr>
+          <a:bodyPr rot="-60000000" spcFirstLastPara="1" vertOverflow="ellipsis" vert="horz" wrap="square" anchor="ctr" anchorCtr="1"/>
+          <a:lstStyle/>
+          <a:p>
+            <a:pPr>
+              <a:defRPr sz="900" b="0" i="0" u="none" strike="noStrike" kern="1200" baseline="0">
+                <a:solidFill>
+                  <a:schemeClr val="tx1">
+                    <a:lumMod val="65000"/>
+                    <a:lumOff val="35000"/>
+                  </a:schemeClr>
+                </a:solidFill>
+                <a:latin typeface="+mn-lt"/>
+                <a:ea typeface="+mn-ea"/>
+                <a:cs typeface="+mn-cs"/>
+              </a:defRPr>
+            </a:pPr>
+            <a:endParaRPr lang="en-US"/>
+          </a:p>
+        </c:txPr>
+        <c:crossAx val="632707720"/>
+        <c:crosses val="autoZero"/>
+        <c:auto val="1"/>
+        <c:lblAlgn val="ctr"/>
+        <c:lblOffset val="100"/>
+        <c:noMultiLvlLbl val="0"/>
+      </c:catAx>
+      <c:valAx>
+        <c:axId val="632707720"/>
+        <c:scaling>
+          <c:orientation val="minMax"/>
+        </c:scaling>
+        <c:delete val="0"/>
+        <c:axPos val="l"/>
+        <c:majorGridlines>
+          <c:spPr>
+            <a:ln w="9525" cap="flat" cmpd="sng" algn="ctr">
+              <a:solidFill>
+                <a:schemeClr val="tx1">
+                  <a:lumMod val="15000"/>
+                  <a:lumOff val="85000"/>
+                </a:schemeClr>
+              </a:solidFill>
+              <a:round/>
+            </a:ln>
+            <a:effectLst/>
+          </c:spPr>
+        </c:majorGridlines>
+        <c:numFmt formatCode="General" sourceLinked="1"/>
+        <c:majorTickMark val="none"/>
+        <c:minorTickMark val="none"/>
+        <c:tickLblPos val="nextTo"/>
+        <c:spPr>
+          <a:noFill/>
+          <a:ln>
+            <a:noFill/>
+          </a:ln>
+          <a:effectLst/>
+        </c:spPr>
+        <c:txPr>
+          <a:bodyPr rot="-60000000" spcFirstLastPara="1" vertOverflow="ellipsis" vert="horz" wrap="square" anchor="ctr" anchorCtr="1"/>
+          <a:lstStyle/>
+          <a:p>
+            <a:pPr>
+              <a:defRPr sz="900" b="0" i="0" u="none" strike="noStrike" kern="1200" baseline="0">
+                <a:solidFill>
+                  <a:schemeClr val="tx1">
+                    <a:lumMod val="65000"/>
+                    <a:lumOff val="35000"/>
+                  </a:schemeClr>
+                </a:solidFill>
+                <a:latin typeface="+mn-lt"/>
+                <a:ea typeface="+mn-ea"/>
+                <a:cs typeface="+mn-cs"/>
+              </a:defRPr>
+            </a:pPr>
+            <a:endParaRPr lang="en-US"/>
+          </a:p>
+        </c:txPr>
+        <c:crossAx val="632707064"/>
         <c:crosses val="autoZero"/>
         <c:crossBetween val="between"/>
       </c:valAx>
@@ -1917,6 +2726,86 @@
 </cs:colorStyle>
 </file>
 
+<file path=ppt/charts/colors5.xml><?xml version="1.0" encoding="utf-8"?>
+<cs:colorStyle xmlns:cs="http://schemas.microsoft.com/office/drawing/2012/chartStyle" xmlns:a="http://schemas.openxmlformats.org/drawingml/2006/main" meth="cycle" id="10">
+  <a:schemeClr val="accent1"/>
+  <a:schemeClr val="accent2"/>
+  <a:schemeClr val="accent3"/>
+  <a:schemeClr val="accent4"/>
+  <a:schemeClr val="accent5"/>
+  <a:schemeClr val="accent6"/>
+  <cs:variation/>
+  <cs:variation>
+    <a:lumMod val="60000"/>
+  </cs:variation>
+  <cs:variation>
+    <a:lumMod val="80000"/>
+    <a:lumOff val="20000"/>
+  </cs:variation>
+  <cs:variation>
+    <a:lumMod val="80000"/>
+  </cs:variation>
+  <cs:variation>
+    <a:lumMod val="60000"/>
+    <a:lumOff val="40000"/>
+  </cs:variation>
+  <cs:variation>
+    <a:lumMod val="50000"/>
+  </cs:variation>
+  <cs:variation>
+    <a:lumMod val="70000"/>
+    <a:lumOff val="30000"/>
+  </cs:variation>
+  <cs:variation>
+    <a:lumMod val="70000"/>
+  </cs:variation>
+  <cs:variation>
+    <a:lumMod val="50000"/>
+    <a:lumOff val="50000"/>
+  </cs:variation>
+</cs:colorStyle>
+</file>
+
+<file path=ppt/charts/colors6.xml><?xml version="1.0" encoding="utf-8"?>
+<cs:colorStyle xmlns:cs="http://schemas.microsoft.com/office/drawing/2012/chartStyle" xmlns:a="http://schemas.openxmlformats.org/drawingml/2006/main" meth="cycle" id="10">
+  <a:schemeClr val="accent1"/>
+  <a:schemeClr val="accent2"/>
+  <a:schemeClr val="accent3"/>
+  <a:schemeClr val="accent4"/>
+  <a:schemeClr val="accent5"/>
+  <a:schemeClr val="accent6"/>
+  <cs:variation/>
+  <cs:variation>
+    <a:lumMod val="60000"/>
+  </cs:variation>
+  <cs:variation>
+    <a:lumMod val="80000"/>
+    <a:lumOff val="20000"/>
+  </cs:variation>
+  <cs:variation>
+    <a:lumMod val="80000"/>
+  </cs:variation>
+  <cs:variation>
+    <a:lumMod val="60000"/>
+    <a:lumOff val="40000"/>
+  </cs:variation>
+  <cs:variation>
+    <a:lumMod val="50000"/>
+  </cs:variation>
+  <cs:variation>
+    <a:lumMod val="70000"/>
+    <a:lumOff val="30000"/>
+  </cs:variation>
+  <cs:variation>
+    <a:lumMod val="70000"/>
+  </cs:variation>
+  <cs:variation>
+    <a:lumMod val="50000"/>
+    <a:lumOff val="50000"/>
+  </cs:variation>
+</cs:colorStyle>
+</file>
+
 <file path=ppt/charts/style1.xml><?xml version="1.0" encoding="utf-8"?>
 <cs:chartStyle xmlns:cs="http://schemas.microsoft.com/office/drawing/2012/chartStyle" xmlns:a="http://schemas.openxmlformats.org/drawingml/2006/main" id="201">
   <cs:axisTitle>
@@ -3427,6 +4316,1012 @@
 </file>
 
 <file path=ppt/charts/style4.xml><?xml version="1.0" encoding="utf-8"?>
+<cs:chartStyle xmlns:cs="http://schemas.microsoft.com/office/drawing/2012/chartStyle" xmlns:a="http://schemas.openxmlformats.org/drawingml/2006/main" id="201">
+  <cs:axisTitle>
+    <cs:lnRef idx="0"/>
+    <cs:fillRef idx="0"/>
+    <cs:effectRef idx="0"/>
+    <cs:fontRef idx="minor">
+      <a:schemeClr val="tx1">
+        <a:lumMod val="65000"/>
+        <a:lumOff val="35000"/>
+      </a:schemeClr>
+    </cs:fontRef>
+    <cs:defRPr sz="1000" kern="1200"/>
+  </cs:axisTitle>
+  <cs:categoryAxis>
+    <cs:lnRef idx="0"/>
+    <cs:fillRef idx="0"/>
+    <cs:effectRef idx="0"/>
+    <cs:fontRef idx="minor">
+      <a:schemeClr val="tx1">
+        <a:lumMod val="65000"/>
+        <a:lumOff val="35000"/>
+      </a:schemeClr>
+    </cs:fontRef>
+    <cs:spPr>
+      <a:ln w="9525" cap="flat" cmpd="sng" algn="ctr">
+        <a:solidFill>
+          <a:schemeClr val="tx1">
+            <a:lumMod val="15000"/>
+            <a:lumOff val="85000"/>
+          </a:schemeClr>
+        </a:solidFill>
+        <a:round/>
+      </a:ln>
+    </cs:spPr>
+    <cs:defRPr sz="900" kern="1200"/>
+  </cs:categoryAxis>
+  <cs:chartArea mods="allowNoFillOverride allowNoLineOverride">
+    <cs:lnRef idx="0"/>
+    <cs:fillRef idx="0"/>
+    <cs:effectRef idx="0"/>
+    <cs:fontRef idx="minor">
+      <a:schemeClr val="tx1"/>
+    </cs:fontRef>
+    <cs:spPr>
+      <a:solidFill>
+        <a:schemeClr val="bg1"/>
+      </a:solidFill>
+      <a:ln w="9525" cap="flat" cmpd="sng" algn="ctr">
+        <a:solidFill>
+          <a:schemeClr val="tx1">
+            <a:lumMod val="15000"/>
+            <a:lumOff val="85000"/>
+          </a:schemeClr>
+        </a:solidFill>
+        <a:round/>
+      </a:ln>
+    </cs:spPr>
+    <cs:defRPr sz="1000" kern="1200"/>
+  </cs:chartArea>
+  <cs:dataLabel>
+    <cs:lnRef idx="0"/>
+    <cs:fillRef idx="0"/>
+    <cs:effectRef idx="0"/>
+    <cs:fontRef idx="minor">
+      <a:schemeClr val="tx1">
+        <a:lumMod val="75000"/>
+        <a:lumOff val="25000"/>
+      </a:schemeClr>
+    </cs:fontRef>
+    <cs:defRPr sz="900" kern="1200"/>
+  </cs:dataLabel>
+  <cs:dataLabelCallout>
+    <cs:lnRef idx="0"/>
+    <cs:fillRef idx="0"/>
+    <cs:effectRef idx="0"/>
+    <cs:fontRef idx="minor">
+      <a:schemeClr val="dk1">
+        <a:lumMod val="65000"/>
+        <a:lumOff val="35000"/>
+      </a:schemeClr>
+    </cs:fontRef>
+    <cs:spPr>
+      <a:solidFill>
+        <a:schemeClr val="lt1"/>
+      </a:solidFill>
+      <a:ln>
+        <a:solidFill>
+          <a:schemeClr val="dk1">
+            <a:lumMod val="25000"/>
+            <a:lumOff val="75000"/>
+          </a:schemeClr>
+        </a:solidFill>
+      </a:ln>
+    </cs:spPr>
+    <cs:defRPr sz="900" kern="1200"/>
+    <cs:bodyPr rot="0" spcFirstLastPara="1" vertOverflow="clip" horzOverflow="clip" vert="horz" wrap="square" lIns="36576" tIns="18288" rIns="36576" bIns="18288" anchor="ctr" anchorCtr="1">
+      <a:spAutoFit/>
+    </cs:bodyPr>
+  </cs:dataLabelCallout>
+  <cs:dataPoint>
+    <cs:lnRef idx="0"/>
+    <cs:fillRef idx="1">
+      <cs:styleClr val="auto"/>
+    </cs:fillRef>
+    <cs:effectRef idx="0"/>
+    <cs:fontRef idx="minor">
+      <a:schemeClr val="tx1"/>
+    </cs:fontRef>
+  </cs:dataPoint>
+  <cs:dataPoint3D>
+    <cs:lnRef idx="0"/>
+    <cs:fillRef idx="1">
+      <cs:styleClr val="auto"/>
+    </cs:fillRef>
+    <cs:effectRef idx="0"/>
+    <cs:fontRef idx="minor">
+      <a:schemeClr val="tx1"/>
+    </cs:fontRef>
+  </cs:dataPoint3D>
+  <cs:dataPointLine>
+    <cs:lnRef idx="0">
+      <cs:styleClr val="auto"/>
+    </cs:lnRef>
+    <cs:fillRef idx="1"/>
+    <cs:effectRef idx="0"/>
+    <cs:fontRef idx="minor">
+      <a:schemeClr val="tx1"/>
+    </cs:fontRef>
+    <cs:spPr>
+      <a:ln w="28575" cap="rnd">
+        <a:solidFill>
+          <a:schemeClr val="phClr"/>
+        </a:solidFill>
+        <a:round/>
+      </a:ln>
+    </cs:spPr>
+  </cs:dataPointLine>
+  <cs:dataPointMarker>
+    <cs:lnRef idx="0">
+      <cs:styleClr val="auto"/>
+    </cs:lnRef>
+    <cs:fillRef idx="1">
+      <cs:styleClr val="auto"/>
+    </cs:fillRef>
+    <cs:effectRef idx="0"/>
+    <cs:fontRef idx="minor">
+      <a:schemeClr val="tx1"/>
+    </cs:fontRef>
+    <cs:spPr>
+      <a:ln w="9525">
+        <a:solidFill>
+          <a:schemeClr val="phClr"/>
+        </a:solidFill>
+      </a:ln>
+    </cs:spPr>
+  </cs:dataPointMarker>
+  <cs:dataPointMarkerLayout symbol="circle" size="5"/>
+  <cs:dataPointWireframe>
+    <cs:lnRef idx="0">
+      <cs:styleClr val="auto"/>
+    </cs:lnRef>
+    <cs:fillRef idx="1"/>
+    <cs:effectRef idx="0"/>
+    <cs:fontRef idx="minor">
+      <a:schemeClr val="tx1"/>
+    </cs:fontRef>
+    <cs:spPr>
+      <a:ln w="9525" cap="rnd">
+        <a:solidFill>
+          <a:schemeClr val="phClr"/>
+        </a:solidFill>
+        <a:round/>
+      </a:ln>
+    </cs:spPr>
+  </cs:dataPointWireframe>
+  <cs:dataTable>
+    <cs:lnRef idx="0"/>
+    <cs:fillRef idx="0"/>
+    <cs:effectRef idx="0"/>
+    <cs:fontRef idx="minor">
+      <a:schemeClr val="tx1">
+        <a:lumMod val="65000"/>
+        <a:lumOff val="35000"/>
+      </a:schemeClr>
+    </cs:fontRef>
+    <cs:spPr>
+      <a:noFill/>
+      <a:ln w="9525" cap="flat" cmpd="sng" algn="ctr">
+        <a:solidFill>
+          <a:schemeClr val="tx1">
+            <a:lumMod val="15000"/>
+            <a:lumOff val="85000"/>
+          </a:schemeClr>
+        </a:solidFill>
+        <a:round/>
+      </a:ln>
+    </cs:spPr>
+    <cs:defRPr sz="900" kern="1200"/>
+  </cs:dataTable>
+  <cs:downBar>
+    <cs:lnRef idx="0"/>
+    <cs:fillRef idx="0"/>
+    <cs:effectRef idx="0"/>
+    <cs:fontRef idx="minor">
+      <a:schemeClr val="dk1"/>
+    </cs:fontRef>
+    <cs:spPr>
+      <a:solidFill>
+        <a:schemeClr val="dk1">
+          <a:lumMod val="65000"/>
+          <a:lumOff val="35000"/>
+        </a:schemeClr>
+      </a:solidFill>
+      <a:ln w="9525">
+        <a:solidFill>
+          <a:schemeClr val="tx1">
+            <a:lumMod val="65000"/>
+            <a:lumOff val="35000"/>
+          </a:schemeClr>
+        </a:solidFill>
+      </a:ln>
+    </cs:spPr>
+  </cs:downBar>
+  <cs:dropLine>
+    <cs:lnRef idx="0"/>
+    <cs:fillRef idx="0"/>
+    <cs:effectRef idx="0"/>
+    <cs:fontRef idx="minor">
+      <a:schemeClr val="tx1"/>
+    </cs:fontRef>
+    <cs:spPr>
+      <a:ln w="9525" cap="flat" cmpd="sng" algn="ctr">
+        <a:solidFill>
+          <a:schemeClr val="tx1">
+            <a:lumMod val="35000"/>
+            <a:lumOff val="65000"/>
+          </a:schemeClr>
+        </a:solidFill>
+        <a:round/>
+      </a:ln>
+    </cs:spPr>
+  </cs:dropLine>
+  <cs:errorBar>
+    <cs:lnRef idx="0"/>
+    <cs:fillRef idx="0"/>
+    <cs:effectRef idx="0"/>
+    <cs:fontRef idx="minor">
+      <a:schemeClr val="tx1"/>
+    </cs:fontRef>
+    <cs:spPr>
+      <a:ln w="9525" cap="flat" cmpd="sng" algn="ctr">
+        <a:solidFill>
+          <a:schemeClr val="tx1">
+            <a:lumMod val="65000"/>
+            <a:lumOff val="35000"/>
+          </a:schemeClr>
+        </a:solidFill>
+        <a:round/>
+      </a:ln>
+    </cs:spPr>
+  </cs:errorBar>
+  <cs:floor>
+    <cs:lnRef idx="0"/>
+    <cs:fillRef idx="0"/>
+    <cs:effectRef idx="0"/>
+    <cs:fontRef idx="minor">
+      <a:schemeClr val="tx1"/>
+    </cs:fontRef>
+    <cs:spPr>
+      <a:noFill/>
+      <a:ln>
+        <a:noFill/>
+      </a:ln>
+    </cs:spPr>
+  </cs:floor>
+  <cs:gridlineMajor>
+    <cs:lnRef idx="0"/>
+    <cs:fillRef idx="0"/>
+    <cs:effectRef idx="0"/>
+    <cs:fontRef idx="minor">
+      <a:schemeClr val="tx1"/>
+    </cs:fontRef>
+    <cs:spPr>
+      <a:ln w="9525" cap="flat" cmpd="sng" algn="ctr">
+        <a:solidFill>
+          <a:schemeClr val="tx1">
+            <a:lumMod val="15000"/>
+            <a:lumOff val="85000"/>
+          </a:schemeClr>
+        </a:solidFill>
+        <a:round/>
+      </a:ln>
+    </cs:spPr>
+  </cs:gridlineMajor>
+  <cs:gridlineMinor>
+    <cs:lnRef idx="0"/>
+    <cs:fillRef idx="0"/>
+    <cs:effectRef idx="0"/>
+    <cs:fontRef idx="minor">
+      <a:schemeClr val="tx1"/>
+    </cs:fontRef>
+    <cs:spPr>
+      <a:ln w="9525" cap="flat" cmpd="sng" algn="ctr">
+        <a:solidFill>
+          <a:schemeClr val="tx1">
+            <a:lumMod val="5000"/>
+            <a:lumOff val="95000"/>
+          </a:schemeClr>
+        </a:solidFill>
+        <a:round/>
+      </a:ln>
+    </cs:spPr>
+  </cs:gridlineMinor>
+  <cs:hiLoLine>
+    <cs:lnRef idx="0"/>
+    <cs:fillRef idx="0"/>
+    <cs:effectRef idx="0"/>
+    <cs:fontRef idx="minor">
+      <a:schemeClr val="tx1"/>
+    </cs:fontRef>
+    <cs:spPr>
+      <a:ln w="9525" cap="flat" cmpd="sng" algn="ctr">
+        <a:solidFill>
+          <a:schemeClr val="tx1">
+            <a:lumMod val="75000"/>
+            <a:lumOff val="25000"/>
+          </a:schemeClr>
+        </a:solidFill>
+        <a:round/>
+      </a:ln>
+    </cs:spPr>
+  </cs:hiLoLine>
+  <cs:leaderLine>
+    <cs:lnRef idx="0"/>
+    <cs:fillRef idx="0"/>
+    <cs:effectRef idx="0"/>
+    <cs:fontRef idx="minor">
+      <a:schemeClr val="tx1"/>
+    </cs:fontRef>
+    <cs:spPr>
+      <a:ln w="9525" cap="flat" cmpd="sng" algn="ctr">
+        <a:solidFill>
+          <a:schemeClr val="tx1">
+            <a:lumMod val="35000"/>
+            <a:lumOff val="65000"/>
+          </a:schemeClr>
+        </a:solidFill>
+        <a:round/>
+      </a:ln>
+    </cs:spPr>
+  </cs:leaderLine>
+  <cs:legend>
+    <cs:lnRef idx="0"/>
+    <cs:fillRef idx="0"/>
+    <cs:effectRef idx="0"/>
+    <cs:fontRef idx="minor">
+      <a:schemeClr val="tx1">
+        <a:lumMod val="65000"/>
+        <a:lumOff val="35000"/>
+      </a:schemeClr>
+    </cs:fontRef>
+    <cs:defRPr sz="900" kern="1200"/>
+  </cs:legend>
+  <cs:plotArea mods="allowNoFillOverride allowNoLineOverride">
+    <cs:lnRef idx="0"/>
+    <cs:fillRef idx="0"/>
+    <cs:effectRef idx="0"/>
+    <cs:fontRef idx="minor">
+      <a:schemeClr val="tx1"/>
+    </cs:fontRef>
+  </cs:plotArea>
+  <cs:plotArea3D mods="allowNoFillOverride allowNoLineOverride">
+    <cs:lnRef idx="0"/>
+    <cs:fillRef idx="0"/>
+    <cs:effectRef idx="0"/>
+    <cs:fontRef idx="minor">
+      <a:schemeClr val="tx1"/>
+    </cs:fontRef>
+  </cs:plotArea3D>
+  <cs:seriesAxis>
+    <cs:lnRef idx="0"/>
+    <cs:fillRef idx="0"/>
+    <cs:effectRef idx="0"/>
+    <cs:fontRef idx="minor">
+      <a:schemeClr val="tx1">
+        <a:lumMod val="65000"/>
+        <a:lumOff val="35000"/>
+      </a:schemeClr>
+    </cs:fontRef>
+    <cs:defRPr sz="900" kern="1200"/>
+  </cs:seriesAxis>
+  <cs:seriesLine>
+    <cs:lnRef idx="0"/>
+    <cs:fillRef idx="0"/>
+    <cs:effectRef idx="0"/>
+    <cs:fontRef idx="minor">
+      <a:schemeClr val="tx1"/>
+    </cs:fontRef>
+    <cs:spPr>
+      <a:ln w="9525" cap="flat" cmpd="sng" algn="ctr">
+        <a:solidFill>
+          <a:schemeClr val="tx1">
+            <a:lumMod val="35000"/>
+            <a:lumOff val="65000"/>
+          </a:schemeClr>
+        </a:solidFill>
+        <a:round/>
+      </a:ln>
+    </cs:spPr>
+  </cs:seriesLine>
+  <cs:title>
+    <cs:lnRef idx="0"/>
+    <cs:fillRef idx="0"/>
+    <cs:effectRef idx="0"/>
+    <cs:fontRef idx="minor">
+      <a:schemeClr val="tx1">
+        <a:lumMod val="65000"/>
+        <a:lumOff val="35000"/>
+      </a:schemeClr>
+    </cs:fontRef>
+    <cs:defRPr sz="1400" b="0" kern="1200" spc="0" baseline="0"/>
+  </cs:title>
+  <cs:trendline>
+    <cs:lnRef idx="0">
+      <cs:styleClr val="auto"/>
+    </cs:lnRef>
+    <cs:fillRef idx="0"/>
+    <cs:effectRef idx="0"/>
+    <cs:fontRef idx="minor">
+      <a:schemeClr val="tx1"/>
+    </cs:fontRef>
+    <cs:spPr>
+      <a:ln w="19050" cap="rnd">
+        <a:solidFill>
+          <a:schemeClr val="phClr"/>
+        </a:solidFill>
+        <a:prstDash val="sysDot"/>
+      </a:ln>
+    </cs:spPr>
+  </cs:trendline>
+  <cs:trendlineLabel>
+    <cs:lnRef idx="0"/>
+    <cs:fillRef idx="0"/>
+    <cs:effectRef idx="0"/>
+    <cs:fontRef idx="minor">
+      <a:schemeClr val="tx1">
+        <a:lumMod val="65000"/>
+        <a:lumOff val="35000"/>
+      </a:schemeClr>
+    </cs:fontRef>
+    <cs:defRPr sz="900" kern="1200"/>
+  </cs:trendlineLabel>
+  <cs:upBar>
+    <cs:lnRef idx="0"/>
+    <cs:fillRef idx="0"/>
+    <cs:effectRef idx="0"/>
+    <cs:fontRef idx="minor">
+      <a:schemeClr val="dk1"/>
+    </cs:fontRef>
+    <cs:spPr>
+      <a:solidFill>
+        <a:schemeClr val="lt1"/>
+      </a:solidFill>
+      <a:ln w="9525">
+        <a:solidFill>
+          <a:schemeClr val="tx1">
+            <a:lumMod val="15000"/>
+            <a:lumOff val="85000"/>
+          </a:schemeClr>
+        </a:solidFill>
+      </a:ln>
+    </cs:spPr>
+  </cs:upBar>
+  <cs:valueAxis>
+    <cs:lnRef idx="0"/>
+    <cs:fillRef idx="0"/>
+    <cs:effectRef idx="0"/>
+    <cs:fontRef idx="minor">
+      <a:schemeClr val="tx1">
+        <a:lumMod val="65000"/>
+        <a:lumOff val="35000"/>
+      </a:schemeClr>
+    </cs:fontRef>
+    <cs:defRPr sz="900" kern="1200"/>
+  </cs:valueAxis>
+  <cs:wall>
+    <cs:lnRef idx="0"/>
+    <cs:fillRef idx="0"/>
+    <cs:effectRef idx="0"/>
+    <cs:fontRef idx="minor">
+      <a:schemeClr val="tx1"/>
+    </cs:fontRef>
+    <cs:spPr>
+      <a:noFill/>
+      <a:ln>
+        <a:noFill/>
+      </a:ln>
+    </cs:spPr>
+  </cs:wall>
+</cs:chartStyle>
+</file>
+
+<file path=ppt/charts/style5.xml><?xml version="1.0" encoding="utf-8"?>
+<cs:chartStyle xmlns:cs="http://schemas.microsoft.com/office/drawing/2012/chartStyle" xmlns:a="http://schemas.openxmlformats.org/drawingml/2006/main" id="201">
+  <cs:axisTitle>
+    <cs:lnRef idx="0"/>
+    <cs:fillRef idx="0"/>
+    <cs:effectRef idx="0"/>
+    <cs:fontRef idx="minor">
+      <a:schemeClr val="tx1">
+        <a:lumMod val="65000"/>
+        <a:lumOff val="35000"/>
+      </a:schemeClr>
+    </cs:fontRef>
+    <cs:defRPr sz="1000" kern="1200"/>
+  </cs:axisTitle>
+  <cs:categoryAxis>
+    <cs:lnRef idx="0"/>
+    <cs:fillRef idx="0"/>
+    <cs:effectRef idx="0"/>
+    <cs:fontRef idx="minor">
+      <a:schemeClr val="tx1">
+        <a:lumMod val="65000"/>
+        <a:lumOff val="35000"/>
+      </a:schemeClr>
+    </cs:fontRef>
+    <cs:spPr>
+      <a:ln w="9525" cap="flat" cmpd="sng" algn="ctr">
+        <a:solidFill>
+          <a:schemeClr val="tx1">
+            <a:lumMod val="15000"/>
+            <a:lumOff val="85000"/>
+          </a:schemeClr>
+        </a:solidFill>
+        <a:round/>
+      </a:ln>
+    </cs:spPr>
+    <cs:defRPr sz="900" kern="1200"/>
+  </cs:categoryAxis>
+  <cs:chartArea mods="allowNoFillOverride allowNoLineOverride">
+    <cs:lnRef idx="0"/>
+    <cs:fillRef idx="0"/>
+    <cs:effectRef idx="0"/>
+    <cs:fontRef idx="minor">
+      <a:schemeClr val="tx1"/>
+    </cs:fontRef>
+    <cs:spPr>
+      <a:solidFill>
+        <a:schemeClr val="bg1"/>
+      </a:solidFill>
+      <a:ln w="9525" cap="flat" cmpd="sng" algn="ctr">
+        <a:solidFill>
+          <a:schemeClr val="tx1">
+            <a:lumMod val="15000"/>
+            <a:lumOff val="85000"/>
+          </a:schemeClr>
+        </a:solidFill>
+        <a:round/>
+      </a:ln>
+    </cs:spPr>
+    <cs:defRPr sz="1000" kern="1200"/>
+  </cs:chartArea>
+  <cs:dataLabel>
+    <cs:lnRef idx="0"/>
+    <cs:fillRef idx="0"/>
+    <cs:effectRef idx="0"/>
+    <cs:fontRef idx="minor">
+      <a:schemeClr val="tx1">
+        <a:lumMod val="75000"/>
+        <a:lumOff val="25000"/>
+      </a:schemeClr>
+    </cs:fontRef>
+    <cs:defRPr sz="900" kern="1200"/>
+  </cs:dataLabel>
+  <cs:dataLabelCallout>
+    <cs:lnRef idx="0"/>
+    <cs:fillRef idx="0"/>
+    <cs:effectRef idx="0"/>
+    <cs:fontRef idx="minor">
+      <a:schemeClr val="dk1">
+        <a:lumMod val="65000"/>
+        <a:lumOff val="35000"/>
+      </a:schemeClr>
+    </cs:fontRef>
+    <cs:spPr>
+      <a:solidFill>
+        <a:schemeClr val="lt1"/>
+      </a:solidFill>
+      <a:ln>
+        <a:solidFill>
+          <a:schemeClr val="dk1">
+            <a:lumMod val="25000"/>
+            <a:lumOff val="75000"/>
+          </a:schemeClr>
+        </a:solidFill>
+      </a:ln>
+    </cs:spPr>
+    <cs:defRPr sz="900" kern="1200"/>
+    <cs:bodyPr rot="0" spcFirstLastPara="1" vertOverflow="clip" horzOverflow="clip" vert="horz" wrap="square" lIns="36576" tIns="18288" rIns="36576" bIns="18288" anchor="ctr" anchorCtr="1">
+      <a:spAutoFit/>
+    </cs:bodyPr>
+  </cs:dataLabelCallout>
+  <cs:dataPoint>
+    <cs:lnRef idx="0"/>
+    <cs:fillRef idx="1">
+      <cs:styleClr val="auto"/>
+    </cs:fillRef>
+    <cs:effectRef idx="0"/>
+    <cs:fontRef idx="minor">
+      <a:schemeClr val="tx1"/>
+    </cs:fontRef>
+  </cs:dataPoint>
+  <cs:dataPoint3D>
+    <cs:lnRef idx="0"/>
+    <cs:fillRef idx="1">
+      <cs:styleClr val="auto"/>
+    </cs:fillRef>
+    <cs:effectRef idx="0"/>
+    <cs:fontRef idx="minor">
+      <a:schemeClr val="tx1"/>
+    </cs:fontRef>
+  </cs:dataPoint3D>
+  <cs:dataPointLine>
+    <cs:lnRef idx="0">
+      <cs:styleClr val="auto"/>
+    </cs:lnRef>
+    <cs:fillRef idx="1"/>
+    <cs:effectRef idx="0"/>
+    <cs:fontRef idx="minor">
+      <a:schemeClr val="tx1"/>
+    </cs:fontRef>
+    <cs:spPr>
+      <a:ln w="28575" cap="rnd">
+        <a:solidFill>
+          <a:schemeClr val="phClr"/>
+        </a:solidFill>
+        <a:round/>
+      </a:ln>
+    </cs:spPr>
+  </cs:dataPointLine>
+  <cs:dataPointMarker>
+    <cs:lnRef idx="0">
+      <cs:styleClr val="auto"/>
+    </cs:lnRef>
+    <cs:fillRef idx="1">
+      <cs:styleClr val="auto"/>
+    </cs:fillRef>
+    <cs:effectRef idx="0"/>
+    <cs:fontRef idx="minor">
+      <a:schemeClr val="tx1"/>
+    </cs:fontRef>
+    <cs:spPr>
+      <a:ln w="9525">
+        <a:solidFill>
+          <a:schemeClr val="phClr"/>
+        </a:solidFill>
+      </a:ln>
+    </cs:spPr>
+  </cs:dataPointMarker>
+  <cs:dataPointMarkerLayout symbol="circle" size="5"/>
+  <cs:dataPointWireframe>
+    <cs:lnRef idx="0">
+      <cs:styleClr val="auto"/>
+    </cs:lnRef>
+    <cs:fillRef idx="1"/>
+    <cs:effectRef idx="0"/>
+    <cs:fontRef idx="minor">
+      <a:schemeClr val="tx1"/>
+    </cs:fontRef>
+    <cs:spPr>
+      <a:ln w="9525" cap="rnd">
+        <a:solidFill>
+          <a:schemeClr val="phClr"/>
+        </a:solidFill>
+        <a:round/>
+      </a:ln>
+    </cs:spPr>
+  </cs:dataPointWireframe>
+  <cs:dataTable>
+    <cs:lnRef idx="0"/>
+    <cs:fillRef idx="0"/>
+    <cs:effectRef idx="0"/>
+    <cs:fontRef idx="minor">
+      <a:schemeClr val="tx1">
+        <a:lumMod val="65000"/>
+        <a:lumOff val="35000"/>
+      </a:schemeClr>
+    </cs:fontRef>
+    <cs:spPr>
+      <a:noFill/>
+      <a:ln w="9525" cap="flat" cmpd="sng" algn="ctr">
+        <a:solidFill>
+          <a:schemeClr val="tx1">
+            <a:lumMod val="15000"/>
+            <a:lumOff val="85000"/>
+          </a:schemeClr>
+        </a:solidFill>
+        <a:round/>
+      </a:ln>
+    </cs:spPr>
+    <cs:defRPr sz="900" kern="1200"/>
+  </cs:dataTable>
+  <cs:downBar>
+    <cs:lnRef idx="0"/>
+    <cs:fillRef idx="0"/>
+    <cs:effectRef idx="0"/>
+    <cs:fontRef idx="minor">
+      <a:schemeClr val="dk1"/>
+    </cs:fontRef>
+    <cs:spPr>
+      <a:solidFill>
+        <a:schemeClr val="dk1">
+          <a:lumMod val="65000"/>
+          <a:lumOff val="35000"/>
+        </a:schemeClr>
+      </a:solidFill>
+      <a:ln w="9525">
+        <a:solidFill>
+          <a:schemeClr val="tx1">
+            <a:lumMod val="65000"/>
+            <a:lumOff val="35000"/>
+          </a:schemeClr>
+        </a:solidFill>
+      </a:ln>
+    </cs:spPr>
+  </cs:downBar>
+  <cs:dropLine>
+    <cs:lnRef idx="0"/>
+    <cs:fillRef idx="0"/>
+    <cs:effectRef idx="0"/>
+    <cs:fontRef idx="minor">
+      <a:schemeClr val="tx1"/>
+    </cs:fontRef>
+    <cs:spPr>
+      <a:ln w="9525" cap="flat" cmpd="sng" algn="ctr">
+        <a:solidFill>
+          <a:schemeClr val="tx1">
+            <a:lumMod val="35000"/>
+            <a:lumOff val="65000"/>
+          </a:schemeClr>
+        </a:solidFill>
+        <a:round/>
+      </a:ln>
+    </cs:spPr>
+  </cs:dropLine>
+  <cs:errorBar>
+    <cs:lnRef idx="0"/>
+    <cs:fillRef idx="0"/>
+    <cs:effectRef idx="0"/>
+    <cs:fontRef idx="minor">
+      <a:schemeClr val="tx1"/>
+    </cs:fontRef>
+    <cs:spPr>
+      <a:ln w="9525" cap="flat" cmpd="sng" algn="ctr">
+        <a:solidFill>
+          <a:schemeClr val="tx1">
+            <a:lumMod val="65000"/>
+            <a:lumOff val="35000"/>
+          </a:schemeClr>
+        </a:solidFill>
+        <a:round/>
+      </a:ln>
+    </cs:spPr>
+  </cs:errorBar>
+  <cs:floor>
+    <cs:lnRef idx="0"/>
+    <cs:fillRef idx="0"/>
+    <cs:effectRef idx="0"/>
+    <cs:fontRef idx="minor">
+      <a:schemeClr val="tx1"/>
+    </cs:fontRef>
+    <cs:spPr>
+      <a:noFill/>
+      <a:ln>
+        <a:noFill/>
+      </a:ln>
+    </cs:spPr>
+  </cs:floor>
+  <cs:gridlineMajor>
+    <cs:lnRef idx="0"/>
+    <cs:fillRef idx="0"/>
+    <cs:effectRef idx="0"/>
+    <cs:fontRef idx="minor">
+      <a:schemeClr val="tx1"/>
+    </cs:fontRef>
+    <cs:spPr>
+      <a:ln w="9525" cap="flat" cmpd="sng" algn="ctr">
+        <a:solidFill>
+          <a:schemeClr val="tx1">
+            <a:lumMod val="15000"/>
+            <a:lumOff val="85000"/>
+          </a:schemeClr>
+        </a:solidFill>
+        <a:round/>
+      </a:ln>
+    </cs:spPr>
+  </cs:gridlineMajor>
+  <cs:gridlineMinor>
+    <cs:lnRef idx="0"/>
+    <cs:fillRef idx="0"/>
+    <cs:effectRef idx="0"/>
+    <cs:fontRef idx="minor">
+      <a:schemeClr val="tx1"/>
+    </cs:fontRef>
+    <cs:spPr>
+      <a:ln w="9525" cap="flat" cmpd="sng" algn="ctr">
+        <a:solidFill>
+          <a:schemeClr val="tx1">
+            <a:lumMod val="5000"/>
+            <a:lumOff val="95000"/>
+          </a:schemeClr>
+        </a:solidFill>
+        <a:round/>
+      </a:ln>
+    </cs:spPr>
+  </cs:gridlineMinor>
+  <cs:hiLoLine>
+    <cs:lnRef idx="0"/>
+    <cs:fillRef idx="0"/>
+    <cs:effectRef idx="0"/>
+    <cs:fontRef idx="minor">
+      <a:schemeClr val="tx1"/>
+    </cs:fontRef>
+    <cs:spPr>
+      <a:ln w="9525" cap="flat" cmpd="sng" algn="ctr">
+        <a:solidFill>
+          <a:schemeClr val="tx1">
+            <a:lumMod val="75000"/>
+            <a:lumOff val="25000"/>
+          </a:schemeClr>
+        </a:solidFill>
+        <a:round/>
+      </a:ln>
+    </cs:spPr>
+  </cs:hiLoLine>
+  <cs:leaderLine>
+    <cs:lnRef idx="0"/>
+    <cs:fillRef idx="0"/>
+    <cs:effectRef idx="0"/>
+    <cs:fontRef idx="minor">
+      <a:schemeClr val="tx1"/>
+    </cs:fontRef>
+    <cs:spPr>
+      <a:ln w="9525" cap="flat" cmpd="sng" algn="ctr">
+        <a:solidFill>
+          <a:schemeClr val="tx1">
+            <a:lumMod val="35000"/>
+            <a:lumOff val="65000"/>
+          </a:schemeClr>
+        </a:solidFill>
+        <a:round/>
+      </a:ln>
+    </cs:spPr>
+  </cs:leaderLine>
+  <cs:legend>
+    <cs:lnRef idx="0"/>
+    <cs:fillRef idx="0"/>
+    <cs:effectRef idx="0"/>
+    <cs:fontRef idx="minor">
+      <a:schemeClr val="tx1">
+        <a:lumMod val="65000"/>
+        <a:lumOff val="35000"/>
+      </a:schemeClr>
+    </cs:fontRef>
+    <cs:defRPr sz="900" kern="1200"/>
+  </cs:legend>
+  <cs:plotArea mods="allowNoFillOverride allowNoLineOverride">
+    <cs:lnRef idx="0"/>
+    <cs:fillRef idx="0"/>
+    <cs:effectRef idx="0"/>
+    <cs:fontRef idx="minor">
+      <a:schemeClr val="tx1"/>
+    </cs:fontRef>
+  </cs:plotArea>
+  <cs:plotArea3D mods="allowNoFillOverride allowNoLineOverride">
+    <cs:lnRef idx="0"/>
+    <cs:fillRef idx="0"/>
+    <cs:effectRef idx="0"/>
+    <cs:fontRef idx="minor">
+      <a:schemeClr val="tx1"/>
+    </cs:fontRef>
+  </cs:plotArea3D>
+  <cs:seriesAxis>
+    <cs:lnRef idx="0"/>
+    <cs:fillRef idx="0"/>
+    <cs:effectRef idx="0"/>
+    <cs:fontRef idx="minor">
+      <a:schemeClr val="tx1">
+        <a:lumMod val="65000"/>
+        <a:lumOff val="35000"/>
+      </a:schemeClr>
+    </cs:fontRef>
+    <cs:defRPr sz="900" kern="1200"/>
+  </cs:seriesAxis>
+  <cs:seriesLine>
+    <cs:lnRef idx="0"/>
+    <cs:fillRef idx="0"/>
+    <cs:effectRef idx="0"/>
+    <cs:fontRef idx="minor">
+      <a:schemeClr val="tx1"/>
+    </cs:fontRef>
+    <cs:spPr>
+      <a:ln w="9525" cap="flat" cmpd="sng" algn="ctr">
+        <a:solidFill>
+          <a:schemeClr val="tx1">
+            <a:lumMod val="35000"/>
+            <a:lumOff val="65000"/>
+          </a:schemeClr>
+        </a:solidFill>
+        <a:round/>
+      </a:ln>
+    </cs:spPr>
+  </cs:seriesLine>
+  <cs:title>
+    <cs:lnRef idx="0"/>
+    <cs:fillRef idx="0"/>
+    <cs:effectRef idx="0"/>
+    <cs:fontRef idx="minor">
+      <a:schemeClr val="tx1">
+        <a:lumMod val="65000"/>
+        <a:lumOff val="35000"/>
+      </a:schemeClr>
+    </cs:fontRef>
+    <cs:defRPr sz="1400" b="0" kern="1200" spc="0" baseline="0"/>
+  </cs:title>
+  <cs:trendline>
+    <cs:lnRef idx="0">
+      <cs:styleClr val="auto"/>
+    </cs:lnRef>
+    <cs:fillRef idx="0"/>
+    <cs:effectRef idx="0"/>
+    <cs:fontRef idx="minor">
+      <a:schemeClr val="tx1"/>
+    </cs:fontRef>
+    <cs:spPr>
+      <a:ln w="19050" cap="rnd">
+        <a:solidFill>
+          <a:schemeClr val="phClr"/>
+        </a:solidFill>
+        <a:prstDash val="sysDot"/>
+      </a:ln>
+    </cs:spPr>
+  </cs:trendline>
+  <cs:trendlineLabel>
+    <cs:lnRef idx="0"/>
+    <cs:fillRef idx="0"/>
+    <cs:effectRef idx="0"/>
+    <cs:fontRef idx="minor">
+      <a:schemeClr val="tx1">
+        <a:lumMod val="65000"/>
+        <a:lumOff val="35000"/>
+      </a:schemeClr>
+    </cs:fontRef>
+    <cs:defRPr sz="900" kern="1200"/>
+  </cs:trendlineLabel>
+  <cs:upBar>
+    <cs:lnRef idx="0"/>
+    <cs:fillRef idx="0"/>
+    <cs:effectRef idx="0"/>
+    <cs:fontRef idx="minor">
+      <a:schemeClr val="dk1"/>
+    </cs:fontRef>
+    <cs:spPr>
+      <a:solidFill>
+        <a:schemeClr val="lt1"/>
+      </a:solidFill>
+      <a:ln w="9525">
+        <a:solidFill>
+          <a:schemeClr val="tx1">
+            <a:lumMod val="15000"/>
+            <a:lumOff val="85000"/>
+          </a:schemeClr>
+        </a:solidFill>
+      </a:ln>
+    </cs:spPr>
+  </cs:upBar>
+  <cs:valueAxis>
+    <cs:lnRef idx="0"/>
+    <cs:fillRef idx="0"/>
+    <cs:effectRef idx="0"/>
+    <cs:fontRef idx="minor">
+      <a:schemeClr val="tx1">
+        <a:lumMod val="65000"/>
+        <a:lumOff val="35000"/>
+      </a:schemeClr>
+    </cs:fontRef>
+    <cs:defRPr sz="900" kern="1200"/>
+  </cs:valueAxis>
+  <cs:wall>
+    <cs:lnRef idx="0"/>
+    <cs:fillRef idx="0"/>
+    <cs:effectRef idx="0"/>
+    <cs:fontRef idx="minor">
+      <a:schemeClr val="tx1"/>
+    </cs:fontRef>
+    <cs:spPr>
+      <a:noFill/>
+      <a:ln>
+        <a:noFill/>
+      </a:ln>
+    </cs:spPr>
+  </cs:wall>
+</cs:chartStyle>
+</file>
+
+<file path=ppt/charts/style6.xml><?xml version="1.0" encoding="utf-8"?>
 <cs:chartStyle xmlns:cs="http://schemas.microsoft.com/office/drawing/2012/chartStyle" xmlns:a="http://schemas.openxmlformats.org/drawingml/2006/main" id="201">
   <cs:axisTitle>
     <cs:lnRef idx="0"/>
@@ -6803,14 +8698,14 @@
           <p:nvPr>
             <p:extLst>
               <p:ext uri="{D42A27DB-BD31-4B8C-83A1-F6EECF244321}">
-                <p14:modId xmlns:p14="http://schemas.microsoft.com/office/powerpoint/2010/main" val="3514155543"/>
+                <p14:modId xmlns:p14="http://schemas.microsoft.com/office/powerpoint/2010/main" val="2536554915"/>
               </p:ext>
             </p:extLst>
           </p:nvPr>
         </p:nvGraphicFramePr>
         <p:xfrm>
-          <a:off x="159249" y="2427115"/>
-          <a:ext cx="4088517" cy="2453110"/>
+          <a:off x="-49789" y="2120338"/>
+          <a:ext cx="3478789" cy="2087273"/>
         </p:xfrm>
         <a:graphic>
           <a:graphicData uri="http://schemas.openxmlformats.org/drawingml/2006/chart">
@@ -6833,14 +8728,14 @@
           <p:nvPr>
             <p:extLst>
               <p:ext uri="{D42A27DB-BD31-4B8C-83A1-F6EECF244321}">
-                <p14:modId xmlns:p14="http://schemas.microsoft.com/office/powerpoint/2010/main" val="2468184041"/>
+                <p14:modId xmlns:p14="http://schemas.microsoft.com/office/powerpoint/2010/main" val="1132905754"/>
               </p:ext>
             </p:extLst>
           </p:nvPr>
         </p:nvGraphicFramePr>
         <p:xfrm>
-          <a:off x="5463283" y="2427115"/>
-          <a:ext cx="2663575" cy="1598145"/>
+          <a:off x="3352245" y="2120338"/>
+          <a:ext cx="3478789" cy="2087273"/>
         </p:xfrm>
         <a:graphic>
           <a:graphicData uri="http://schemas.openxmlformats.org/drawingml/2006/chart">
@@ -6863,14 +8758,14 @@
           <p:nvPr>
             <p:extLst>
               <p:ext uri="{D42A27DB-BD31-4B8C-83A1-F6EECF244321}">
-                <p14:modId xmlns:p14="http://schemas.microsoft.com/office/powerpoint/2010/main" val="1118856932"/>
+                <p14:modId xmlns:p14="http://schemas.microsoft.com/office/powerpoint/2010/main" val="1314213073"/>
               </p:ext>
             </p:extLst>
           </p:nvPr>
         </p:nvGraphicFramePr>
         <p:xfrm>
-          <a:off x="662683" y="5383813"/>
-          <a:ext cx="2663575" cy="1598145"/>
+          <a:off x="38378" y="4209416"/>
+          <a:ext cx="3390622" cy="2034373"/>
         </p:xfrm>
         <a:graphic>
           <a:graphicData uri="http://schemas.openxmlformats.org/drawingml/2006/chart">
@@ -6893,18 +8788,78 @@
           <p:nvPr>
             <p:extLst>
               <p:ext uri="{D42A27DB-BD31-4B8C-83A1-F6EECF244321}">
-                <p14:modId xmlns:p14="http://schemas.microsoft.com/office/powerpoint/2010/main" val="2759581738"/>
+                <p14:modId xmlns:p14="http://schemas.microsoft.com/office/powerpoint/2010/main" val="1835581392"/>
               </p:ext>
             </p:extLst>
           </p:nvPr>
         </p:nvGraphicFramePr>
         <p:xfrm>
-          <a:off x="5463283" y="5349831"/>
-          <a:ext cx="2592983" cy="1555789"/>
+          <a:off x="3429000" y="4209416"/>
+          <a:ext cx="3390623" cy="2034373"/>
         </p:xfrm>
         <a:graphic>
           <a:graphicData uri="http://schemas.openxmlformats.org/drawingml/2006/chart">
             <c:chart xmlns:c="http://schemas.openxmlformats.org/drawingml/2006/chart" xmlns:r="http://schemas.openxmlformats.org/officeDocument/2006/relationships" r:id="rId5"/>
+          </a:graphicData>
+        </a:graphic>
+      </p:graphicFrame>
+      <p:graphicFrame>
+        <p:nvGraphicFramePr>
+          <p:cNvPr id="7" name="Chart 6">
+            <a:extLst>
+              <a:ext uri="{FF2B5EF4-FFF2-40B4-BE49-F238E27FC236}">
+                <a16:creationId xmlns:a16="http://schemas.microsoft.com/office/drawing/2014/main" id="{915AF7E4-EF0D-4533-A06C-A8827DE2E92A}"/>
+              </a:ext>
+            </a:extLst>
+          </p:cNvPr>
+          <p:cNvGraphicFramePr>
+            <a:graphicFrameLocks/>
+          </p:cNvGraphicFramePr>
+          <p:nvPr>
+            <p:extLst>
+              <p:ext uri="{D42A27DB-BD31-4B8C-83A1-F6EECF244321}">
+                <p14:modId xmlns:p14="http://schemas.microsoft.com/office/powerpoint/2010/main" val="3931709231"/>
+              </p:ext>
+            </p:extLst>
+          </p:nvPr>
+        </p:nvGraphicFramePr>
+        <p:xfrm>
+          <a:off x="38378" y="0"/>
+          <a:ext cx="3390622" cy="2034373"/>
+        </p:xfrm>
+        <a:graphic>
+          <a:graphicData uri="http://schemas.openxmlformats.org/drawingml/2006/chart">
+            <c:chart xmlns:c="http://schemas.openxmlformats.org/drawingml/2006/chart" xmlns:r="http://schemas.openxmlformats.org/officeDocument/2006/relationships" r:id="rId6"/>
+          </a:graphicData>
+        </a:graphic>
+      </p:graphicFrame>
+      <p:graphicFrame>
+        <p:nvGraphicFramePr>
+          <p:cNvPr id="8" name="Chart 7">
+            <a:extLst>
+              <a:ext uri="{FF2B5EF4-FFF2-40B4-BE49-F238E27FC236}">
+                <a16:creationId xmlns:a16="http://schemas.microsoft.com/office/drawing/2014/main" id="{09AFD0FD-92AB-4928-B7B0-57ED103AC41C}"/>
+              </a:ext>
+            </a:extLst>
+          </p:cNvPr>
+          <p:cNvGraphicFramePr>
+            <a:graphicFrameLocks/>
+          </p:cNvGraphicFramePr>
+          <p:nvPr>
+            <p:extLst>
+              <p:ext uri="{D42A27DB-BD31-4B8C-83A1-F6EECF244321}">
+                <p14:modId xmlns:p14="http://schemas.microsoft.com/office/powerpoint/2010/main" val="979997056"/>
+              </p:ext>
+            </p:extLst>
+          </p:nvPr>
+        </p:nvGraphicFramePr>
+        <p:xfrm>
+          <a:off x="3505754" y="0"/>
+          <a:ext cx="3390624" cy="2034373"/>
+        </p:xfrm>
+        <a:graphic>
+          <a:graphicData uri="http://schemas.openxmlformats.org/drawingml/2006/chart">
+            <c:chart xmlns:c="http://schemas.openxmlformats.org/drawingml/2006/chart" xmlns:r="http://schemas.openxmlformats.org/officeDocument/2006/relationships" r:id="rId7"/>
           </a:graphicData>
         </a:graphic>
       </p:graphicFrame>
